--- a/Decks/70-534_NYC_Compute_Arch_Final.pptx
+++ b/Decks/70-534_NYC_Compute_Arch_Final.pptx
@@ -227,19 +227,19 @@
           <pc:sldMk cId="2774397814" sldId="300"/>
         </pc:sldMkLst>
         <pc:spChg chg="mod">
+          <ac:chgData name="Mike Richter" userId="9ab6d983-b66a-4d2b-996e-283e26ed32b4" providerId="ADAL" clId="{BFA38CFF-3064-4266-978C-E0D30B789057}" dt="2017-06-09T21:45:02.848" v="1081" actId="20577"/>
+          <ac:spMkLst>
+            <pc:docMk/>
+            <pc:sldMk cId="2774397814" sldId="300"/>
+            <ac:spMk id="3" creationId="{9A084D11-B70D-40EE-B04A-A4D4D869172E}"/>
+          </ac:spMkLst>
+        </pc:spChg>
+        <pc:spChg chg="mod">
           <ac:chgData name="Mike Richter" userId="9ab6d983-b66a-4d2b-996e-283e26ed32b4" providerId="ADAL" clId="{BFA38CFF-3064-4266-978C-E0D30B789057}" dt="2017-06-09T21:09:17.002" v="16" actId="20577"/>
           <ac:spMkLst>
             <pc:docMk/>
             <pc:sldMk cId="2774397814" sldId="300"/>
             <ac:spMk id="2" creationId="{1BDD77D1-B84B-4A29-A9FC-18E9DA44F12C}"/>
-          </ac:spMkLst>
-        </pc:spChg>
-        <pc:spChg chg="mod">
-          <ac:chgData name="Mike Richter" userId="9ab6d983-b66a-4d2b-996e-283e26ed32b4" providerId="ADAL" clId="{BFA38CFF-3064-4266-978C-E0D30B789057}" dt="2017-06-09T21:45:02.848" v="1081" actId="20577"/>
-          <ac:spMkLst>
-            <pc:docMk/>
-            <pc:sldMk cId="2774397814" sldId="300"/>
-            <ac:spMk id="3" creationId="{9A084D11-B70D-40EE-B04A-A4D4D869172E}"/>
           </ac:spMkLst>
         </pc:spChg>
       </pc:sldChg>
@@ -250,19 +250,19 @@
           <pc:sldMk cId="3604548053" sldId="301"/>
         </pc:sldMkLst>
         <pc:spChg chg="mod">
+          <ac:chgData name="Mike Richter" userId="9ab6d983-b66a-4d2b-996e-283e26ed32b4" providerId="ADAL" clId="{BFA38CFF-3064-4266-978C-E0D30B789057}" dt="2017-06-09T21:16:02.897" v="288" actId="20577"/>
+          <ac:spMkLst>
+            <pc:docMk/>
+            <pc:sldMk cId="3604548053" sldId="301"/>
+            <ac:spMk id="2" creationId="{9E1D053F-E818-4E51-A224-18DFCA89348F}"/>
+          </ac:spMkLst>
+        </pc:spChg>
+        <pc:spChg chg="mod">
           <ac:chgData name="Mike Richter" userId="9ab6d983-b66a-4d2b-996e-283e26ed32b4" providerId="ADAL" clId="{BFA38CFF-3064-4266-978C-E0D30B789057}" dt="2017-06-09T21:20:27.502" v="480" actId="20577"/>
           <ac:spMkLst>
             <pc:docMk/>
             <pc:sldMk cId="3604548053" sldId="301"/>
             <ac:spMk id="3" creationId="{4B10BDA0-45B2-4562-9ED5-44591285E6B1}"/>
-          </ac:spMkLst>
-        </pc:spChg>
-        <pc:spChg chg="mod">
-          <ac:chgData name="Mike Richter" userId="9ab6d983-b66a-4d2b-996e-283e26ed32b4" providerId="ADAL" clId="{BFA38CFF-3064-4266-978C-E0D30B789057}" dt="2017-06-09T21:16:02.897" v="288" actId="20577"/>
-          <ac:spMkLst>
-            <pc:docMk/>
-            <pc:sldMk cId="3604548053" sldId="301"/>
-            <ac:spMk id="2" creationId="{9E1D053F-E818-4E51-A224-18DFCA89348F}"/>
           </ac:spMkLst>
         </pc:spChg>
         <pc:graphicFrameChg chg="add mod modGraphic">
@@ -311,19 +311,19 @@
           <pc:sldMk cId="1735187031" sldId="303"/>
         </pc:sldMkLst>
         <pc:spChg chg="mod">
+          <ac:chgData name="Mike Richter" userId="9ab6d983-b66a-4d2b-996e-283e26ed32b4" providerId="ADAL" clId="{BFA38CFF-3064-4266-978C-E0D30B789057}" dt="2017-06-09T22:27:54.692" v="2010" actId="20577"/>
+          <ac:spMkLst>
+            <pc:docMk/>
+            <pc:sldMk cId="1735187031" sldId="303"/>
+            <ac:spMk id="3" creationId="{D7099431-A7D2-420C-A06D-68DADCF8356E}"/>
+          </ac:spMkLst>
+        </pc:spChg>
+        <pc:spChg chg="mod">
           <ac:chgData name="Mike Richter" userId="9ab6d983-b66a-4d2b-996e-283e26ed32b4" providerId="ADAL" clId="{BFA38CFF-3064-4266-978C-E0D30B789057}" dt="2017-06-10T19:33:02.396" v="2204" actId="20577"/>
           <ac:spMkLst>
             <pc:docMk/>
             <pc:sldMk cId="1735187031" sldId="303"/>
             <ac:spMk id="2" creationId="{51CFE0D1-848A-4F8B-8183-F1A6035F9269}"/>
-          </ac:spMkLst>
-        </pc:spChg>
-        <pc:spChg chg="mod">
-          <ac:chgData name="Mike Richter" userId="9ab6d983-b66a-4d2b-996e-283e26ed32b4" providerId="ADAL" clId="{BFA38CFF-3064-4266-978C-E0D30B789057}" dt="2017-06-09T22:27:54.692" v="2010" actId="20577"/>
-          <ac:spMkLst>
-            <pc:docMk/>
-            <pc:sldMk cId="1735187031" sldId="303"/>
-            <ac:spMk id="3" creationId="{D7099431-A7D2-420C-A06D-68DADCF8356E}"/>
           </ac:spMkLst>
         </pc:spChg>
       </pc:sldChg>
@@ -346,7 +346,7 @@
           <ac:spMkLst>
             <pc:docMk/>
             <pc:sldMk cId="556686380" sldId="304"/>
-            <ac:spMk id="3" creationId="{FB30D594-3C00-4B1D-9E80-CFEBD208786B}"/>
+            <ac:spMk id="2" creationId="{83F329CE-5CF6-453D-86CE-B9A52FF0F552}"/>
           </ac:spMkLst>
         </pc:spChg>
         <pc:spChg chg="del">
@@ -354,7 +354,7 @@
           <ac:spMkLst>
             <pc:docMk/>
             <pc:sldMk cId="556686380" sldId="304"/>
-            <ac:spMk id="2" creationId="{83F329CE-5CF6-453D-86CE-B9A52FF0F552}"/>
+            <ac:spMk id="3" creationId="{FB30D594-3C00-4B1D-9E80-CFEBD208786B}"/>
           </ac:spMkLst>
         </pc:spChg>
         <pc:spChg chg="add mod">
@@ -373,20 +373,20 @@
             <ac:picMk id="2052" creationId="{1DD05EAF-5CCF-4578-97F5-C0999ABBF721}"/>
           </ac:picMkLst>
         </pc:picChg>
+        <pc:picChg chg="add del">
+          <ac:chgData name="Mike Richter" userId="9ab6d983-b66a-4d2b-996e-283e26ed32b4" providerId="ADAL" clId="{BFA38CFF-3064-4266-978C-E0D30B789057}" dt="2017-06-09T22:28:13.572" v="2034" actId="0"/>
+          <ac:picMkLst>
+            <pc:docMk/>
+            <pc:sldMk cId="556686380" sldId="304"/>
+            <ac:picMk id="2050" creationId="{121A7838-D7EF-4DFE-B497-33E5FCEE9919}"/>
+          </ac:picMkLst>
+        </pc:picChg>
         <pc:picChg chg="add mod">
           <ac:chgData name="Mike Richter" userId="9ab6d983-b66a-4d2b-996e-283e26ed32b4" providerId="ADAL" clId="{BFA38CFF-3064-4266-978C-E0D30B789057}" dt="2017-06-10T19:35:55.162" v="2252" actId="1076"/>
           <ac:picMkLst>
             <pc:docMk/>
             <pc:sldMk cId="556686380" sldId="304"/>
             <ac:picMk id="6" creationId="{DE11F4EB-5484-4C07-81D8-97B77A3E023F}"/>
-          </ac:picMkLst>
-        </pc:picChg>
-        <pc:picChg chg="add del">
-          <ac:chgData name="Mike Richter" userId="9ab6d983-b66a-4d2b-996e-283e26ed32b4" providerId="ADAL" clId="{BFA38CFF-3064-4266-978C-E0D30B789057}" dt="2017-06-09T22:28:13.572" v="2034" actId="0"/>
-          <ac:picMkLst>
-            <pc:docMk/>
-            <pc:sldMk cId="556686380" sldId="304"/>
-            <ac:picMk id="2050" creationId="{121A7838-D7EF-4DFE-B497-33E5FCEE9919}"/>
           </ac:picMkLst>
         </pc:picChg>
       </pc:sldChg>
@@ -465,19 +465,19 @@
           <pc:sldMk cId="758435906" sldId="345"/>
         </pc:sldMkLst>
         <pc:spChg chg="mod">
+          <ac:chgData name="Mike Richter" userId="9ab6d983-b66a-4d2b-996e-283e26ed32b4" providerId="ADAL" clId="{BFA38CFF-3064-4266-978C-E0D30B789057}" dt="2017-06-12T14:36:31.548" v="2350" actId="5793"/>
+          <ac:spMkLst>
+            <pc:docMk/>
+            <pc:sldMk cId="758435906" sldId="345"/>
+            <ac:spMk id="5" creationId="{00000000-0000-0000-0000-000000000000}"/>
+          </ac:spMkLst>
+        </pc:spChg>
+        <pc:spChg chg="mod">
           <ac:chgData name="Mike Richter" userId="9ab6d983-b66a-4d2b-996e-283e26ed32b4" providerId="ADAL" clId="{BFA38CFF-3064-4266-978C-E0D30B789057}" dt="2017-06-12T14:37:21.064" v="2364" actId="20577"/>
           <ac:spMkLst>
             <pc:docMk/>
             <pc:sldMk cId="758435906" sldId="345"/>
             <ac:spMk id="4" creationId="{00000000-0000-0000-0000-000000000000}"/>
-          </ac:spMkLst>
-        </pc:spChg>
-        <pc:spChg chg="mod">
-          <ac:chgData name="Mike Richter" userId="9ab6d983-b66a-4d2b-996e-283e26ed32b4" providerId="ADAL" clId="{BFA38CFF-3064-4266-978C-E0D30B789057}" dt="2017-06-12T14:36:31.548" v="2350" actId="5793"/>
-          <ac:spMkLst>
-            <pc:docMk/>
-            <pc:sldMk cId="758435906" sldId="345"/>
-            <ac:spMk id="5" creationId="{00000000-0000-0000-0000-000000000000}"/>
           </ac:spMkLst>
         </pc:spChg>
       </pc:sldChg>
@@ -533,19 +533,19 @@
           <pc:sldMk cId="2014725547" sldId="349"/>
         </pc:sldMkLst>
         <pc:spChg chg="mod">
+          <ac:chgData name="Mike Richter" userId="9ab6d983-b66a-4d2b-996e-283e26ed32b4" providerId="ADAL" clId="{BFA38CFF-3064-4266-978C-E0D30B789057}" dt="2017-06-12T14:43:23.475" v="2431" actId="27636"/>
+          <ac:spMkLst>
+            <pc:docMk/>
+            <pc:sldMk cId="2014725547" sldId="349"/>
+            <ac:spMk id="4" creationId="{00000000-0000-0000-0000-000000000000}"/>
+          </ac:spMkLst>
+        </pc:spChg>
+        <pc:spChg chg="mod">
           <ac:chgData name="Mike Richter" userId="9ab6d983-b66a-4d2b-996e-283e26ed32b4" providerId="ADAL" clId="{BFA38CFF-3064-4266-978C-E0D30B789057}" dt="2017-06-12T14:43:59.546" v="2432" actId="0"/>
           <ac:spMkLst>
             <pc:docMk/>
             <pc:sldMk cId="2014725547" sldId="349"/>
             <ac:spMk id="5" creationId="{00000000-0000-0000-0000-000000000000}"/>
-          </ac:spMkLst>
-        </pc:spChg>
-        <pc:spChg chg="mod">
-          <ac:chgData name="Mike Richter" userId="9ab6d983-b66a-4d2b-996e-283e26ed32b4" providerId="ADAL" clId="{BFA38CFF-3064-4266-978C-E0D30B789057}" dt="2017-06-12T14:43:23.475" v="2431" actId="27636"/>
-          <ac:spMkLst>
-            <pc:docMk/>
-            <pc:sldMk cId="2014725547" sldId="349"/>
-            <ac:spMk id="4" creationId="{00000000-0000-0000-0000-000000000000}"/>
           </ac:spMkLst>
         </pc:spChg>
       </pc:sldChg>
@@ -571,19 +571,19 @@
           <pc:sldMk cId="1845629353" sldId="351"/>
         </pc:sldMkLst>
         <pc:spChg chg="mod">
+          <ac:chgData name="Mike Richter" userId="9ab6d983-b66a-4d2b-996e-283e26ed32b4" providerId="ADAL" clId="{BFA38CFF-3064-4266-978C-E0D30B789057}" dt="2017-06-12T14:44:59.891" v="2438" actId="0"/>
+          <ac:spMkLst>
+            <pc:docMk/>
+            <pc:sldMk cId="1845629353" sldId="351"/>
+            <ac:spMk id="5" creationId="{00000000-0000-0000-0000-000000000000}"/>
+          </ac:spMkLst>
+        </pc:spChg>
+        <pc:spChg chg="mod">
           <ac:chgData name="Mike Richter" userId="9ab6d983-b66a-4d2b-996e-283e26ed32b4" providerId="ADAL" clId="{BFA38CFF-3064-4266-978C-E0D30B789057}" dt="2017-06-12T14:44:52.811" v="2437" actId="0"/>
           <ac:spMkLst>
             <pc:docMk/>
             <pc:sldMk cId="1845629353" sldId="351"/>
             <ac:spMk id="4" creationId="{00000000-0000-0000-0000-000000000000}"/>
-          </ac:spMkLst>
-        </pc:spChg>
-        <pc:spChg chg="mod">
-          <ac:chgData name="Mike Richter" userId="9ab6d983-b66a-4d2b-996e-283e26ed32b4" providerId="ADAL" clId="{BFA38CFF-3064-4266-978C-E0D30B789057}" dt="2017-06-12T14:44:59.891" v="2438" actId="0"/>
-          <ac:spMkLst>
-            <pc:docMk/>
-            <pc:sldMk cId="1845629353" sldId="351"/>
-            <ac:spMk id="5" creationId="{00000000-0000-0000-0000-000000000000}"/>
           </ac:spMkLst>
         </pc:spChg>
       </pc:sldChg>
@@ -647,19 +647,19 @@
           <pc:sldMk cId="758826643" sldId="355"/>
         </pc:sldMkLst>
         <pc:spChg chg="mod">
+          <ac:chgData name="Mike Richter" userId="9ab6d983-b66a-4d2b-996e-283e26ed32b4" providerId="ADAL" clId="{BFA38CFF-3064-4266-978C-E0D30B789057}" dt="2017-06-12T14:46:42.774" v="2450" actId="0"/>
+          <ac:spMkLst>
+            <pc:docMk/>
+            <pc:sldMk cId="758826643" sldId="355"/>
+            <ac:spMk id="4" creationId="{00000000-0000-0000-0000-000000000000}"/>
+          </ac:spMkLst>
+        </pc:spChg>
+        <pc:spChg chg="mod">
           <ac:chgData name="Mike Richter" userId="9ab6d983-b66a-4d2b-996e-283e26ed32b4" providerId="ADAL" clId="{BFA38CFF-3064-4266-978C-E0D30B789057}" dt="2017-06-12T14:47:40.994" v="2487" actId="20577"/>
           <ac:spMkLst>
             <pc:docMk/>
             <pc:sldMk cId="758826643" sldId="355"/>
             <ac:spMk id="5" creationId="{00000000-0000-0000-0000-000000000000}"/>
-          </ac:spMkLst>
-        </pc:spChg>
-        <pc:spChg chg="mod">
-          <ac:chgData name="Mike Richter" userId="9ab6d983-b66a-4d2b-996e-283e26ed32b4" providerId="ADAL" clId="{BFA38CFF-3064-4266-978C-E0D30B789057}" dt="2017-06-12T14:46:42.774" v="2450" actId="0"/>
-          <ac:spMkLst>
-            <pc:docMk/>
-            <pc:sldMk cId="758826643" sldId="355"/>
-            <ac:spMk id="4" creationId="{00000000-0000-0000-0000-000000000000}"/>
           </ac:spMkLst>
         </pc:spChg>
       </pc:sldChg>
@@ -806,19 +806,19 @@
           <pc:sldMk cId="1072469865" sldId="362"/>
         </pc:sldMkLst>
         <pc:spChg chg="mod">
+          <ac:chgData name="Mike Richter" userId="9ab6d983-b66a-4d2b-996e-283e26ed32b4" providerId="ADAL" clId="{BFA38CFF-3064-4266-978C-E0D30B789057}" dt="2017-06-12T14:59:53.594" v="2642" actId="20577"/>
+          <ac:spMkLst>
+            <pc:docMk/>
+            <pc:sldMk cId="1072469865" sldId="362"/>
+            <ac:spMk id="5" creationId="{00000000-0000-0000-0000-000000000000}"/>
+          </ac:spMkLst>
+        </pc:spChg>
+        <pc:spChg chg="mod">
           <ac:chgData name="Mike Richter" userId="9ab6d983-b66a-4d2b-996e-283e26ed32b4" providerId="ADAL" clId="{BFA38CFF-3064-4266-978C-E0D30B789057}" dt="2017-06-12T14:58:18.550" v="2570" actId="20577"/>
           <ac:spMkLst>
             <pc:docMk/>
             <pc:sldMk cId="1072469865" sldId="362"/>
             <ac:spMk id="4" creationId="{00000000-0000-0000-0000-000000000000}"/>
-          </ac:spMkLst>
-        </pc:spChg>
-        <pc:spChg chg="mod">
-          <ac:chgData name="Mike Richter" userId="9ab6d983-b66a-4d2b-996e-283e26ed32b4" providerId="ADAL" clId="{BFA38CFF-3064-4266-978C-E0D30B789057}" dt="2017-06-12T14:59:53.594" v="2642" actId="20577"/>
-          <ac:spMkLst>
-            <pc:docMk/>
-            <pc:sldMk cId="1072469865" sldId="362"/>
-            <ac:spMk id="5" creationId="{00000000-0000-0000-0000-000000000000}"/>
           </ac:spMkLst>
         </pc:spChg>
       </pc:sldChg>
@@ -844,14 +844,6 @@
           <pc:sldMk cId="3700576750" sldId="364"/>
         </pc:sldMkLst>
         <pc:spChg chg="mod">
-          <ac:chgData name="Mike Richter" userId="9ab6d983-b66a-4d2b-996e-283e26ed32b4" providerId="ADAL" clId="{BFA38CFF-3064-4266-978C-E0D30B789057}" dt="2017-06-12T15:13:40.325" v="3489" actId="20577"/>
-          <ac:spMkLst>
-            <pc:docMk/>
-            <pc:sldMk cId="3700576750" sldId="364"/>
-            <ac:spMk id="3" creationId="{929ADB5E-2F24-4EF5-A5E4-9B33DA06A2E4}"/>
-          </ac:spMkLst>
-        </pc:spChg>
-        <pc:spChg chg="mod">
           <ac:chgData name="Mike Richter" userId="9ab6d983-b66a-4d2b-996e-283e26ed32b4" providerId="ADAL" clId="{BFA38CFF-3064-4266-978C-E0D30B789057}" dt="2017-06-12T15:07:29.404" v="2711" actId="20577"/>
           <ac:spMkLst>
             <pc:docMk/>
@@ -865,6 +857,14 @@
             <pc:docMk/>
             <pc:sldMk cId="3700576750" sldId="364"/>
             <ac:spMk id="4" creationId="{BD04B8BB-B217-4F9D-B549-3FC1E3378D17}"/>
+          </ac:spMkLst>
+        </pc:spChg>
+        <pc:spChg chg="mod">
+          <ac:chgData name="Mike Richter" userId="9ab6d983-b66a-4d2b-996e-283e26ed32b4" providerId="ADAL" clId="{BFA38CFF-3064-4266-978C-E0D30B789057}" dt="2017-06-12T15:13:40.325" v="3489" actId="20577"/>
+          <ac:spMkLst>
+            <pc:docMk/>
+            <pc:sldMk cId="3700576750" sldId="364"/>
+            <ac:spMk id="3" creationId="{929ADB5E-2F24-4EF5-A5E4-9B33DA06A2E4}"/>
           </ac:spMkLst>
         </pc:spChg>
       </pc:sldChg>
@@ -6898,248 +6898,6 @@
   <p:clrMapOvr>
     <a:masterClrMapping/>
   </p:clrMapOvr>
-  <p:timing>
-    <p:tnLst>
-      <p:par>
-        <p:cTn id="1" dur="indefinite" restart="never" nodeType="tmRoot">
-          <p:childTnLst>
-            <p:seq concurrent="1" nextAc="seek">
-              <p:cTn id="2" dur="indefinite" nodeType="mainSeq">
-                <p:childTnLst>
-                  <p:par>
-                    <p:cTn id="3" fill="hold">
-                      <p:stCondLst>
-                        <p:cond delay="indefinite"/>
-                      </p:stCondLst>
-                      <p:childTnLst>
-                        <p:par>
-                          <p:cTn id="4" fill="hold">
-                            <p:stCondLst>
-                              <p:cond delay="0"/>
-                            </p:stCondLst>
-                            <p:childTnLst>
-                              <p:par>
-                                <p:cTn id="5" presetID="1" presetClass="exit" presetSubtype="0" fill="hold" grpId="0" nodeType="clickEffect">
-                                  <p:stCondLst>
-                                    <p:cond delay="0"/>
-                                  </p:stCondLst>
-                                  <p:childTnLst>
-                                    <p:set>
-                                      <p:cBhvr>
-                                        <p:cTn id="6" dur="1" fill="hold">
-                                          <p:stCondLst>
-                                            <p:cond delay="0"/>
-                                          </p:stCondLst>
-                                        </p:cTn>
-                                        <p:tgtEl>
-                                          <p:spTgt spid="3"/>
-                                        </p:tgtEl>
-                                        <p:attrNameLst>
-                                          <p:attrName>style.visibility</p:attrName>
-                                        </p:attrNameLst>
-                                      </p:cBhvr>
-                                      <p:to>
-                                        <p:strVal val="hidden"/>
-                                      </p:to>
-                                    </p:set>
-                                  </p:childTnLst>
-                                </p:cTn>
-                              </p:par>
-                              <p:par>
-                                <p:cTn id="7" presetID="42" presetClass="path" presetSubtype="0" accel="50000" decel="50000" fill="hold" grpId="1" nodeType="withEffect">
-                                  <p:stCondLst>
-                                    <p:cond delay="0"/>
-                                  </p:stCondLst>
-                                  <p:childTnLst>
-                                    <p:animMotion origin="layout" path="M -4.16667E-6 -1.11111E-6 L -0.02187 -0.04537 " pathEditMode="relative" rAng="0" ptsTypes="AA">
-                                      <p:cBhvr>
-                                        <p:cTn id="8" dur="500" fill="hold"/>
-                                        <p:tgtEl>
-                                          <p:spTgt spid="7"/>
-                                        </p:tgtEl>
-                                        <p:attrNameLst>
-                                          <p:attrName>ppt_x</p:attrName>
-                                          <p:attrName>ppt_y</p:attrName>
-                                        </p:attrNameLst>
-                                      </p:cBhvr>
-                                      <p:rCtr x="-1094" y="-2269"/>
-                                    </p:animMotion>
-                                  </p:childTnLst>
-                                </p:cTn>
-                              </p:par>
-                              <p:par>
-                                <p:cTn id="9" presetID="14" presetClass="entr" presetSubtype="10" fill="hold" grpId="0" nodeType="withEffect">
-                                  <p:stCondLst>
-                                    <p:cond delay="0"/>
-                                  </p:stCondLst>
-                                  <p:childTnLst>
-                                    <p:set>
-                                      <p:cBhvr>
-                                        <p:cTn id="10" dur="1" fill="hold">
-                                          <p:stCondLst>
-                                            <p:cond delay="0"/>
-                                          </p:stCondLst>
-                                        </p:cTn>
-                                        <p:tgtEl>
-                                          <p:spTgt spid="7"/>
-                                        </p:tgtEl>
-                                        <p:attrNameLst>
-                                          <p:attrName>style.visibility</p:attrName>
-                                        </p:attrNameLst>
-                                      </p:cBhvr>
-                                      <p:to>
-                                        <p:strVal val="visible"/>
-                                      </p:to>
-                                    </p:set>
-                                    <p:animEffect transition="in" filter="randombar(horizontal)">
-                                      <p:cBhvr>
-                                        <p:cTn id="11" dur="500"/>
-                                        <p:tgtEl>
-                                          <p:spTgt spid="7"/>
-                                        </p:tgtEl>
-                                      </p:cBhvr>
-                                    </p:animEffect>
-                                  </p:childTnLst>
-                                </p:cTn>
-                              </p:par>
-                            </p:childTnLst>
-                          </p:cTn>
-                        </p:par>
-                      </p:childTnLst>
-                    </p:cTn>
-                  </p:par>
-                </p:childTnLst>
-              </p:cTn>
-              <p:prevCondLst>
-                <p:cond evt="onPrev" delay="0">
-                  <p:tgtEl>
-                    <p:sldTgt/>
-                  </p:tgtEl>
-                </p:cond>
-              </p:prevCondLst>
-              <p:nextCondLst>
-                <p:cond evt="onNext" delay="0">
-                  <p:tgtEl>
-                    <p:sldTgt/>
-                  </p:tgtEl>
-                </p:cond>
-              </p:nextCondLst>
-            </p:seq>
-          </p:childTnLst>
-        </p:cTn>
-      </p:par>
-    </p:tnLst>
-    <p:bldLst>
-      <p:bldP spid="3" grpId="0">
-        <p:tmplLst>
-          <p:tmpl>
-            <p:tnLst>
-              <p:par>
-                <p:cTn presetID="1" presetClass="exit" presetSubtype="0" fill="hold" nodeType="clickEffect">
-                  <p:stCondLst>
-                    <p:cond delay="0"/>
-                  </p:stCondLst>
-                  <p:childTnLst>
-                    <p:set>
-                      <p:cBhvr>
-                        <p:cTn dur="1" fill="hold">
-                          <p:stCondLst>
-                            <p:cond delay="0"/>
-                          </p:stCondLst>
-                        </p:cTn>
-                        <p:tgtEl>
-                          <p:spTgt spid="3"/>
-                        </p:tgtEl>
-                        <p:attrNameLst>
-                          <p:attrName>style.visibility</p:attrName>
-                        </p:attrNameLst>
-                      </p:cBhvr>
-                      <p:to>
-                        <p:strVal val="hidden"/>
-                      </p:to>
-                    </p:set>
-                  </p:childTnLst>
-                </p:cTn>
-              </p:par>
-            </p:tnLst>
-          </p:tmpl>
-        </p:tmplLst>
-      </p:bldP>
-      <p:bldP spid="7" grpId="0">
-        <p:tmplLst>
-          <p:tmpl>
-            <p:tnLst>
-              <p:par>
-                <p:cTn presetID="14" presetClass="entr" presetSubtype="10" fill="hold" nodeType="withEffect">
-                  <p:stCondLst>
-                    <p:cond delay="0"/>
-                  </p:stCondLst>
-                  <p:childTnLst>
-                    <p:set>
-                      <p:cBhvr>
-                        <p:cTn dur="1" fill="hold">
-                          <p:stCondLst>
-                            <p:cond delay="0"/>
-                          </p:stCondLst>
-                        </p:cTn>
-                        <p:tgtEl>
-                          <p:spTgt spid="7"/>
-                        </p:tgtEl>
-                        <p:attrNameLst>
-                          <p:attrName>style.visibility</p:attrName>
-                        </p:attrNameLst>
-                      </p:cBhvr>
-                      <p:to>
-                        <p:strVal val="visible"/>
-                      </p:to>
-                    </p:set>
-                    <p:animEffect transition="in" filter="randombar(horizontal)">
-                      <p:cBhvr>
-                        <p:cTn dur="500"/>
-                        <p:tgtEl>
-                          <p:spTgt spid="7"/>
-                        </p:tgtEl>
-                      </p:cBhvr>
-                    </p:animEffect>
-                  </p:childTnLst>
-                </p:cTn>
-              </p:par>
-            </p:tnLst>
-          </p:tmpl>
-        </p:tmplLst>
-      </p:bldP>
-      <p:bldP spid="7" grpId="1">
-        <p:tmplLst>
-          <p:tmpl>
-            <p:tnLst>
-              <p:par>
-                <p:cTn presetID="42" presetClass="path" presetSubtype="0" accel="50000" decel="50000" fill="hold" nodeType="withEffect">
-                  <p:stCondLst>
-                    <p:cond delay="0"/>
-                  </p:stCondLst>
-                  <p:childTnLst>
-                    <p:animMotion origin="layout" path="M -4.16667E-6 -1.11111E-6 L -0.02187 -0.04537 " pathEditMode="relative" rAng="0" ptsTypes="AA">
-                      <p:cBhvr>
-                        <p:cTn dur="500" fill="hold"/>
-                        <p:tgtEl>
-                          <p:spTgt spid="7"/>
-                        </p:tgtEl>
-                        <p:attrNameLst>
-                          <p:attrName>ppt_x</p:attrName>
-                          <p:attrName>ppt_y</p:attrName>
-                        </p:attrNameLst>
-                      </p:cBhvr>
-                      <p:rCtr x="-1094" y="-2269"/>
-                    </p:animMotion>
-                  </p:childTnLst>
-                </p:cTn>
-              </p:par>
-            </p:tnLst>
-          </p:tmpl>
-        </p:tmplLst>
-      </p:bldP>
-    </p:bldLst>
-  </p:timing>
 </p:sldLayout>
 </file>
 
@@ -9504,7 +9262,7 @@
           <p:nvPr>
             <p:extLst>
               <p:ext uri="{D42A27DB-BD31-4B8C-83A1-F6EECF244321}">
-                <p14:modId xmlns:p14="http://schemas.microsoft.com/office/powerpoint/2010/main" val="2124389830"/>
+                <p14:modId xmlns:p14="http://schemas.microsoft.com/office/powerpoint/2010/main" val="2680335215"/>
               </p:ext>
             </p:extLst>
           </p:nvPr>
@@ -9583,9 +9341,9 @@
                         </a:spcAft>
                       </a:pPr>
                       <a:r>
-                        <a:rPr lang="en-US" sz="1100" dirty="0">
+                        <a:rPr lang="en-US" sz="1100" b="1" dirty="0">
                           <a:solidFill>
-                            <a:srgbClr val="D5D5D5"/>
+                            <a:srgbClr val="FF0000"/>
                           </a:solidFill>
                           <a:effectLst/>
                           <a:latin typeface="segoe-ui_semibold"/>
@@ -9632,7 +9390,7 @@
                       <a:tailEnd type="none" w="med" len="med"/>
                     </a:lnB>
                     <a:solidFill>
-                      <a:srgbClr val="1A1A1A"/>
+                      <a:schemeClr val="bg1"/>
                     </a:solidFill>
                   </a:tcPr>
                 </a:tc>
@@ -9650,9 +9408,9 @@
                         </a:spcAft>
                       </a:pPr>
                       <a:r>
-                        <a:rPr lang="en-US" sz="1100">
+                        <a:rPr lang="en-US" sz="1100" b="1">
                           <a:solidFill>
-                            <a:srgbClr val="D5D5D5"/>
+                            <a:srgbClr val="FF0000"/>
                           </a:solidFill>
                           <a:effectLst/>
                           <a:latin typeface="segoe-ui_semibold"/>
@@ -9699,7 +9457,7 @@
                       <a:tailEnd type="none" w="med" len="med"/>
                     </a:lnB>
                     <a:solidFill>
-                      <a:srgbClr val="1A1A1A"/>
+                      <a:schemeClr val="bg1"/>
                     </a:solidFill>
                   </a:tcPr>
                 </a:tc>
@@ -9717,9 +9475,9 @@
                         </a:spcAft>
                       </a:pPr>
                       <a:r>
-                        <a:rPr lang="en-US" sz="1100">
+                        <a:rPr lang="en-US" sz="1100" b="1">
                           <a:solidFill>
-                            <a:srgbClr val="D5D5D5"/>
+                            <a:srgbClr val="FF0000"/>
                           </a:solidFill>
                           <a:effectLst/>
                           <a:latin typeface="segoe-ui_semibold"/>
@@ -9766,7 +9524,7 @@
                       <a:tailEnd type="none" w="med" len="med"/>
                     </a:lnB>
                     <a:solidFill>
-                      <a:srgbClr val="1A1A1A"/>
+                      <a:schemeClr val="bg1"/>
                     </a:solidFill>
                   </a:tcPr>
                 </a:tc>
@@ -9784,9 +9542,9 @@
                         </a:spcAft>
                       </a:pPr>
                       <a:r>
-                        <a:rPr lang="en-US" sz="1100">
+                        <a:rPr lang="en-US" sz="1100" b="1">
                           <a:solidFill>
-                            <a:srgbClr val="D5D5D5"/>
+                            <a:srgbClr val="FF0000"/>
                           </a:solidFill>
                           <a:effectLst/>
                           <a:latin typeface="segoe-ui_semibold"/>
@@ -9833,7 +9591,7 @@
                       <a:tailEnd type="none" w="med" len="med"/>
                     </a:lnB>
                     <a:solidFill>
-                      <a:srgbClr val="1A1A1A"/>
+                      <a:schemeClr val="bg1"/>
                     </a:solidFill>
                   </a:tcPr>
                 </a:tc>
@@ -9851,9 +9609,9 @@
                         </a:spcAft>
                       </a:pPr>
                       <a:r>
-                        <a:rPr lang="en-US" sz="1100">
+                        <a:rPr lang="en-US" sz="1100" b="1">
                           <a:solidFill>
-                            <a:srgbClr val="D5D5D5"/>
+                            <a:srgbClr val="FF0000"/>
                           </a:solidFill>
                           <a:effectLst/>
                           <a:latin typeface="segoe-ui_semibold"/>
@@ -9900,7 +9658,7 @@
                       <a:tailEnd type="none" w="med" len="med"/>
                     </a:lnB>
                     <a:solidFill>
-                      <a:srgbClr val="1A1A1A"/>
+                      <a:schemeClr val="bg1"/>
                     </a:solidFill>
                   </a:tcPr>
                 </a:tc>
@@ -9918,9 +9676,9 @@
                         </a:spcAft>
                       </a:pPr>
                       <a:r>
-                        <a:rPr lang="en-US" sz="1100">
+                        <a:rPr lang="en-US" sz="1100" b="1">
                           <a:solidFill>
-                            <a:srgbClr val="D5D5D5"/>
+                            <a:srgbClr val="FF0000"/>
                           </a:solidFill>
                           <a:effectLst/>
                           <a:latin typeface="segoe-ui_semibold"/>
@@ -9967,7 +9725,7 @@
                       <a:tailEnd type="none" w="med" len="med"/>
                     </a:lnB>
                     <a:solidFill>
-                      <a:srgbClr val="1A1A1A"/>
+                      <a:schemeClr val="bg1"/>
                     </a:solidFill>
                   </a:tcPr>
                 </a:tc>
@@ -9985,9 +9743,9 @@
                         </a:spcAft>
                       </a:pPr>
                       <a:r>
-                        <a:rPr lang="en-US" sz="1100">
+                        <a:rPr lang="en-US" sz="1100" b="1" dirty="0">
                           <a:solidFill>
-                            <a:srgbClr val="D5D5D5"/>
+                            <a:srgbClr val="FF0000"/>
                           </a:solidFill>
                           <a:effectLst/>
                           <a:latin typeface="segoe-ui_semibold"/>
@@ -10034,7 +9792,7 @@
                       <a:tailEnd type="none" w="med" len="med"/>
                     </a:lnB>
                     <a:solidFill>
-                      <a:srgbClr val="1A1A1A"/>
+                      <a:schemeClr val="bg1"/>
                     </a:solidFill>
                   </a:tcPr>
                 </a:tc>
@@ -12450,8 +12208,14 @@
           <a:lstStyle/>
           <a:p>
             <a:r>
-              <a:rPr lang="en-US" dirty="0"/>
+              <a:rPr lang="en-US" dirty="0">
+                <a:hlinkClick r:id="rId2"/>
+              </a:rPr>
               <a:t>https://docs.microsoft.com/en-us/azure/virtual-machines/windows/sizes-general</a:t>
+            </a:r>
+            <a:r>
+              <a:rPr lang="en-US" dirty="0"/>
+              <a:t> </a:t>
             </a:r>
           </a:p>
         </p:txBody>
@@ -12547,7 +12311,11 @@
           <a:p>
             <a:pPr lvl="1"/>
             <a:r>
-              <a:rPr lang="en-US" dirty="0"/>
+              <a:rPr lang="en-US" b="1" dirty="0">
+                <a:solidFill>
+                  <a:srgbClr val="FF0000"/>
+                </a:solidFill>
+              </a:rPr>
               <a:t>Separate storage cost</a:t>
             </a:r>
           </a:p>
@@ -12574,7 +12342,11 @@
           <a:p>
             <a:pPr lvl="1"/>
             <a:r>
-              <a:rPr lang="en-US" dirty="0"/>
+              <a:rPr lang="en-US" b="1" dirty="0">
+                <a:solidFill>
+                  <a:srgbClr val="FF0000"/>
+                </a:solidFill>
+              </a:rPr>
               <a:t>Separate storage cost</a:t>
             </a:r>
           </a:p>
@@ -12587,7 +12359,11 @@
           <a:p>
             <a:pPr lvl="1"/>
             <a:r>
-              <a:rPr lang="en-US" dirty="0"/>
+              <a:rPr lang="en-US" b="1" dirty="0">
+                <a:solidFill>
+                  <a:srgbClr val="FF0000"/>
+                </a:solidFill>
+              </a:rPr>
               <a:t>Doesn’t persist</a:t>
             </a:r>
           </a:p>
@@ -12600,41 +12376,81 @@
           </a:p>
           <a:p>
             <a:r>
-              <a:rPr lang="en-US" dirty="0"/>
+              <a:rPr lang="en-US" b="1" dirty="0">
+                <a:solidFill>
+                  <a:srgbClr val="FF0000"/>
+                </a:solidFill>
+              </a:rPr>
               <a:t>Current Max Disk Size: 1024GB</a:t>
             </a:r>
           </a:p>
           <a:p>
             <a:r>
-              <a:rPr lang="en-US" dirty="0"/>
+              <a:rPr lang="en-US" b="1" dirty="0">
+                <a:solidFill>
+                  <a:srgbClr val="FF0000"/>
+                </a:solidFill>
+              </a:rPr>
               <a:t>Premium Storage Disk Types</a:t>
             </a:r>
           </a:p>
           <a:p>
             <a:pPr lvl="1"/>
             <a:r>
-              <a:rPr lang="en-US" dirty="0"/>
+              <a:rPr lang="en-US" b="1" dirty="0">
+                <a:solidFill>
+                  <a:srgbClr val="FF0000"/>
+                </a:solidFill>
+              </a:rPr>
               <a:t>P10, P20, P30</a:t>
             </a:r>
           </a:p>
           <a:p>
             <a:r>
-              <a:rPr lang="en-US" dirty="0"/>
+              <a:rPr lang="en-US" b="1" dirty="0">
+                <a:solidFill>
+                  <a:srgbClr val="FF0000"/>
+                </a:solidFill>
+              </a:rPr>
               <a:t>Support for SSD (Premium Storage)</a:t>
             </a:r>
           </a:p>
           <a:p>
             <a:pPr lvl="1"/>
             <a:r>
-              <a:rPr lang="en-US" dirty="0"/>
+              <a:rPr lang="en-US" b="1" dirty="0">
+                <a:solidFill>
+                  <a:srgbClr val="FF0000"/>
+                </a:solidFill>
+              </a:rPr>
               <a:t>DS-series, DSv2-series, GS-series, and Fs-series.</a:t>
             </a:r>
           </a:p>
           <a:p>
             <a:pPr lvl="1"/>
             <a:r>
-              <a:rPr lang="en-US" dirty="0"/>
-              <a:t>You can use Standard or Premium storage with these series.</a:t>
+              <a:rPr lang="en-US" b="1" dirty="0">
+                <a:solidFill>
+                  <a:srgbClr val="FF0000"/>
+                </a:solidFill>
+              </a:rPr>
+              <a:t>You can use Standard </a:t>
+            </a:r>
+            <a:r>
+              <a:rPr lang="en-US" sz="3000" b="1" dirty="0">
+                <a:solidFill>
+                  <a:srgbClr val="FF0000"/>
+                </a:solidFill>
+              </a:rPr>
+              <a:t>OR</a:t>
+            </a:r>
+            <a:r>
+              <a:rPr lang="en-US" b="1" dirty="0">
+                <a:solidFill>
+                  <a:srgbClr val="FF0000"/>
+                </a:solidFill>
+              </a:rPr>
+              <a:t> Premium storage with these series.</a:t>
             </a:r>
           </a:p>
           <a:p>
@@ -14076,7 +13892,11 @@
           <a:lstStyle/>
           <a:p>
             <a:r>
-              <a:rPr lang="en-US" dirty="0"/>
+              <a:rPr lang="en-US" b="1" dirty="0">
+                <a:solidFill>
+                  <a:srgbClr val="FF0000"/>
+                </a:solidFill>
+              </a:rPr>
               <a:t>Unmanaged Disks – Requires Azure Storage Container </a:t>
             </a:r>
             <a:br>
@@ -14108,14 +13928,22 @@
           <a:p>
             <a:pPr lvl="1"/>
             <a:r>
-              <a:rPr lang="en-US" dirty="0"/>
+              <a:rPr lang="en-US" b="1" dirty="0">
+                <a:solidFill>
+                  <a:srgbClr val="FF0000"/>
+                </a:solidFill>
+              </a:rPr>
               <a:t>Standard Storage</a:t>
             </a:r>
           </a:p>
           <a:p>
             <a:pPr lvl="2"/>
             <a:r>
-              <a:rPr lang="en-US" dirty="0"/>
+              <a:rPr lang="en-US" b="1" dirty="0">
+                <a:solidFill>
+                  <a:srgbClr val="FF0000"/>
+                </a:solidFill>
+              </a:rPr>
               <a:t>No performance SLAs</a:t>
             </a:r>
           </a:p>
@@ -14136,14 +13964,22 @@
           <a:p>
             <a:pPr lvl="1"/>
             <a:r>
-              <a:rPr lang="en-US" dirty="0"/>
+              <a:rPr lang="en-US" b="1" dirty="0">
+                <a:solidFill>
+                  <a:srgbClr val="FF0000"/>
+                </a:solidFill>
+              </a:rPr>
               <a:t>Premium Storage</a:t>
             </a:r>
           </a:p>
           <a:p>
             <a:pPr lvl="2"/>
             <a:r>
-              <a:rPr lang="en-US" dirty="0"/>
+              <a:rPr lang="en-US" b="1" dirty="0">
+                <a:solidFill>
+                  <a:srgbClr val="FF0000"/>
+                </a:solidFill>
+              </a:rPr>
               <a:t>Yes performance SLAs</a:t>
             </a:r>
           </a:p>
@@ -14151,7 +13987,7 @@
             <a:pPr lvl="2"/>
             <a:r>
               <a:rPr lang="en-US" dirty="0"/>
-              <a:t>Disk Capacity, 35TB</a:t>
+              <a:t>Disk Capacity is 35TB</a:t>
             </a:r>
           </a:p>
           <a:p>
@@ -14192,7 +14028,11 @@
           <a:p>
             <a:pPr lvl="1"/>
             <a:r>
-              <a:rPr lang="en-US" dirty="0"/>
+              <a:rPr lang="en-US" b="1" dirty="0">
+                <a:solidFill>
+                  <a:srgbClr val="FF0000"/>
+                </a:solidFill>
+              </a:rPr>
               <a:t>No storage account required.</a:t>
             </a:r>
           </a:p>
@@ -14320,13 +14160,21 @@
           <a:lstStyle/>
           <a:p>
             <a:r>
-              <a:rPr lang="en-US" dirty="0"/>
+              <a:rPr lang="en-US" b="1" dirty="0">
+                <a:solidFill>
+                  <a:srgbClr val="FF0000"/>
+                </a:solidFill>
+              </a:rPr>
               <a:t>Disks can be resized up to 1TB</a:t>
             </a:r>
           </a:p>
           <a:p>
             <a:r>
-              <a:rPr lang="en-US" dirty="0"/>
+              <a:rPr lang="en-US" b="1" dirty="0">
+                <a:solidFill>
+                  <a:srgbClr val="FF0000"/>
+                </a:solidFill>
+              </a:rPr>
               <a:t>Disks can be striped to achieve greater IOPS/Storage Size.</a:t>
             </a:r>
           </a:p>
@@ -14388,29 +14236,49 @@
           <a:p>
             <a:pPr lvl="1"/>
             <a:r>
-              <a:rPr lang="en-US" dirty="0"/>
+              <a:rPr lang="en-US" b="1" dirty="0">
+                <a:solidFill>
+                  <a:srgbClr val="FF0000"/>
+                </a:solidFill>
+              </a:rPr>
               <a:t>None – for Write only and Write heavy (SQL Logs)</a:t>
             </a:r>
           </a:p>
           <a:p>
             <a:pPr lvl="1"/>
             <a:r>
-              <a:rPr lang="en-US" dirty="0" err="1"/>
+              <a:rPr lang="en-US" b="1" dirty="0" err="1">
+                <a:solidFill>
+                  <a:srgbClr val="FF0000"/>
+                </a:solidFill>
+              </a:rPr>
               <a:t>ReadOnly</a:t>
             </a:r>
             <a:r>
-              <a:rPr lang="en-US" dirty="0"/>
+              <a:rPr lang="en-US" b="1" dirty="0">
+                <a:solidFill>
+                  <a:srgbClr val="FF0000"/>
+                </a:solidFill>
+              </a:rPr>
               <a:t> – for Read only or read-write disks (SQL Data files)</a:t>
             </a:r>
           </a:p>
           <a:p>
             <a:pPr lvl="1"/>
             <a:r>
-              <a:rPr lang="en-US" dirty="0" err="1"/>
+              <a:rPr lang="en-US" b="1" dirty="0" err="1">
+                <a:solidFill>
+                  <a:srgbClr val="FF0000"/>
+                </a:solidFill>
+              </a:rPr>
               <a:t>ReadWrite</a:t>
             </a:r>
             <a:r>
-              <a:rPr lang="en-US" dirty="0"/>
+              <a:rPr lang="en-US" b="1" dirty="0">
+                <a:solidFill>
+                  <a:srgbClr val="FF0000"/>
+                </a:solidFill>
+              </a:rPr>
               <a:t> – for Operating System disks</a:t>
             </a:r>
           </a:p>
@@ -14522,14 +14390,22 @@
           <a:lstStyle/>
           <a:p>
             <a:r>
-              <a:rPr lang="en-US" dirty="0"/>
+              <a:rPr lang="en-US" b="1" dirty="0">
+                <a:solidFill>
+                  <a:srgbClr val="FF0000"/>
+                </a:solidFill>
+              </a:rPr>
               <a:t>Not all Azure Cores are created equal</a:t>
             </a:r>
           </a:p>
           <a:p>
             <a:pPr lvl="1"/>
             <a:r>
-              <a:rPr lang="en-US" dirty="0"/>
+              <a:rPr lang="en-US" b="1" dirty="0">
+                <a:solidFill>
+                  <a:srgbClr val="FF0000"/>
+                </a:solidFill>
+              </a:rPr>
               <a:t>A1 Core !=  F1 Core</a:t>
             </a:r>
           </a:p>
@@ -17238,7 +17114,11 @@
           <a:lstStyle/>
           <a:p>
             <a:r>
-              <a:rPr lang="en-US" dirty="0"/>
+              <a:rPr lang="en-US" b="1" dirty="0">
+                <a:solidFill>
+                  <a:srgbClr val="FF0000"/>
+                </a:solidFill>
+              </a:rPr>
               <a:t>Disk Snapshots let you capture current state copies of your disks.</a:t>
             </a:r>
           </a:p>
@@ -17275,14 +17155,22 @@
           </a:p>
           <a:p>
             <a:r>
-              <a:rPr lang="en-US" dirty="0"/>
+              <a:rPr lang="en-US" b="1" dirty="0">
+                <a:solidFill>
+                  <a:srgbClr val="FF0000"/>
+                </a:solidFill>
+              </a:rPr>
               <a:t>Images are representations of your VM that you can use to create more instances of the VM</a:t>
             </a:r>
           </a:p>
           <a:p>
             <a:pPr lvl="1"/>
             <a:r>
-              <a:rPr lang="en-US" dirty="0"/>
+              <a:rPr lang="en-US" b="1" dirty="0">
+                <a:solidFill>
+                  <a:srgbClr val="FF0000"/>
+                </a:solidFill>
+              </a:rPr>
               <a:t>You can capture an Image of a VM and it will include all the disks. </a:t>
             </a:r>
             <a:r>
@@ -17415,7 +17303,11 @@
           <a:p>
             <a:pPr lvl="1"/>
             <a:r>
-              <a:rPr lang="en-US" dirty="0"/>
+              <a:rPr lang="en-US" b="1" dirty="0">
+                <a:solidFill>
+                  <a:srgbClr val="FF0000"/>
+                </a:solidFill>
+              </a:rPr>
               <a:t>If the VM is part of an availability set and the new size is not supported in the cluster, all VMs in the availability set will need to be deallocated for the resize to happen</a:t>
             </a:r>
           </a:p>
@@ -17445,7 +17337,11 @@
           <a:p>
             <a:pPr lvl="2"/>
             <a:r>
-              <a:rPr lang="en-US" dirty="0"/>
+              <a:rPr lang="en-US" b="1" dirty="0">
+                <a:solidFill>
+                  <a:srgbClr val="FF0000"/>
+                </a:solidFill>
+              </a:rPr>
               <a:t>Using VM Scale Sets </a:t>
             </a:r>
             <a:r>
@@ -17459,28 +17355,48 @@
           <a:p>
             <a:pPr lvl="2"/>
             <a:r>
-              <a:rPr lang="en-US" dirty="0"/>
+              <a:rPr lang="en-US" b="1" dirty="0">
+                <a:solidFill>
+                  <a:srgbClr val="FF0000"/>
+                </a:solidFill>
+              </a:rPr>
               <a:t>Using Azure Automation</a:t>
             </a:r>
           </a:p>
           <a:p>
             <a:pPr lvl="2"/>
             <a:r>
-              <a:rPr lang="en-US" dirty="0"/>
+              <a:rPr lang="en-US" b="1" dirty="0">
+                <a:solidFill>
+                  <a:srgbClr val="FF0000"/>
+                </a:solidFill>
+              </a:rPr>
               <a:t>Scheduled</a:t>
             </a:r>
           </a:p>
           <a:p>
             <a:pPr lvl="2"/>
             <a:r>
-              <a:rPr lang="en-US" dirty="0"/>
+              <a:rPr lang="en-US" b="1" dirty="0">
+                <a:solidFill>
+                  <a:srgbClr val="FF0000"/>
+                </a:solidFill>
+              </a:rPr>
               <a:t>Azure </a:t>
             </a:r>
             <a:r>
-              <a:rPr lang="en-US" dirty="0" err="1"/>
+              <a:rPr lang="en-US" b="1" dirty="0" err="1">
+                <a:solidFill>
+                  <a:srgbClr val="FF0000"/>
+                </a:solidFill>
+              </a:rPr>
               <a:t>Autoscale</a:t>
             </a:r>
-            <a:endParaRPr lang="en-US" dirty="0"/>
+            <a:endParaRPr lang="en-US" b="1" dirty="0">
+              <a:solidFill>
+                <a:srgbClr val="FF0000"/>
+              </a:solidFill>
+            </a:endParaRPr>
           </a:p>
           <a:p>
             <a:pPr lvl="3"/>
@@ -17642,28 +17558,44 @@
           <a:p>
             <a:r>
               <a:rPr lang="en-US" dirty="0"/>
-              <a:t>Extensions</a:t>
+              <a:t>Custom Script Extensions</a:t>
             </a:r>
           </a:p>
           <a:p>
             <a:pPr lvl="1"/>
             <a:r>
-              <a:rPr lang="en-US" dirty="0"/>
+              <a:rPr lang="en-US" b="1" dirty="0">
+                <a:solidFill>
+                  <a:srgbClr val="FF0000"/>
+                </a:solidFill>
+              </a:rPr>
               <a:t>Execute bash (Linux) or </a:t>
             </a:r>
             <a:r>
-              <a:rPr lang="en-US" dirty="0" err="1"/>
+              <a:rPr lang="en-US" b="1" dirty="0" err="1">
+                <a:solidFill>
+                  <a:srgbClr val="FF0000"/>
+                </a:solidFill>
+              </a:rPr>
               <a:t>Powershell</a:t>
             </a:r>
             <a:r>
-              <a:rPr lang="en-US" dirty="0"/>
+              <a:rPr lang="en-US" b="1" dirty="0">
+                <a:solidFill>
+                  <a:srgbClr val="FF0000"/>
+                </a:solidFill>
+              </a:rPr>
               <a:t> (windows)</a:t>
             </a:r>
           </a:p>
           <a:p>
             <a:pPr lvl="1"/>
             <a:r>
-              <a:rPr lang="en-US" dirty="0"/>
+              <a:rPr lang="en-US" b="1" dirty="0">
+                <a:solidFill>
+                  <a:srgbClr val="FF0000"/>
+                </a:solidFill>
+              </a:rPr>
               <a:t>Script files must be externally available</a:t>
             </a:r>
           </a:p>
@@ -17784,19 +17716,31 @@
           <a:lstStyle/>
           <a:p>
             <a:r>
-              <a:rPr lang="en-US" dirty="0"/>
+              <a:rPr lang="en-US" b="1" dirty="0">
+                <a:solidFill>
+                  <a:srgbClr val="FF0000"/>
+                </a:solidFill>
+              </a:rPr>
               <a:t>Premium Storage for Production Workloads (Storage SLAs)</a:t>
             </a:r>
           </a:p>
           <a:p>
             <a:r>
-              <a:rPr lang="en-US" dirty="0"/>
+              <a:rPr lang="en-US" b="1" dirty="0">
+                <a:solidFill>
+                  <a:srgbClr val="FF0000"/>
+                </a:solidFill>
+              </a:rPr>
               <a:t>Choose a VM Size that works with premium storage for production</a:t>
             </a:r>
           </a:p>
           <a:p>
             <a:r>
-              <a:rPr lang="en-US" dirty="0"/>
+              <a:rPr lang="en-US" b="1" dirty="0">
+                <a:solidFill>
+                  <a:srgbClr val="FF0000"/>
+                </a:solidFill>
+              </a:rPr>
               <a:t>Use Managed Disks over Unmanaged Disks</a:t>
             </a:r>
           </a:p>
@@ -17808,7 +17752,11 @@
           </a:p>
           <a:p>
             <a:r>
-              <a:rPr lang="en-US" dirty="0"/>
+              <a:rPr lang="en-US" b="1" dirty="0">
+                <a:solidFill>
+                  <a:srgbClr val="FF0000"/>
+                </a:solidFill>
+              </a:rPr>
               <a:t>Scaling In/Out – the VMs should be in an availability set</a:t>
             </a:r>
           </a:p>
@@ -17845,7 +17793,15 @@
             </a:r>
             <a:r>
               <a:rPr lang="en-US" dirty="0"/>
-              <a:t> to stop charges. Stopping through OS does not deallocate! Stop with portal or CLI.</a:t>
+              <a:t> to stop charges. </a:t>
+            </a:r>
+            <a:r>
+              <a:rPr lang="en-US" b="1" dirty="0">
+                <a:solidFill>
+                  <a:srgbClr val="FF0000"/>
+                </a:solidFill>
+              </a:rPr>
+              <a:t>Stopping through OS does not deallocate! Stop with portal or CLI.</a:t>
             </a:r>
           </a:p>
           <a:p>
@@ -19322,58 +19278,88 @@
         </p:spPr>
         <p:txBody>
           <a:bodyPr>
-            <a:normAutofit fontScale="85000" lnSpcReduction="10000"/>
+            <a:normAutofit fontScale="92500" lnSpcReduction="20000"/>
           </a:bodyPr>
           <a:lstStyle/>
           <a:p>
             <a:r>
-              <a:rPr lang="en-US" dirty="0"/>
+              <a:rPr lang="en-US" b="1" dirty="0">
+                <a:solidFill>
+                  <a:srgbClr val="FF0000"/>
+                </a:solidFill>
+              </a:rPr>
               <a:t>Availability Sets are for Unplanned &amp; Planned Maintenance</a:t>
             </a:r>
           </a:p>
           <a:p>
             <a:pPr lvl="1"/>
             <a:r>
-              <a:rPr lang="en-US" dirty="0"/>
+              <a:rPr lang="en-US" b="1" dirty="0">
+                <a:solidFill>
+                  <a:srgbClr val="FF0000"/>
+                </a:solidFill>
+              </a:rPr>
               <a:t>Fault Domains (2 default, some regions allow 3)</a:t>
             </a:r>
           </a:p>
           <a:p>
             <a:pPr lvl="1"/>
             <a:r>
-              <a:rPr lang="en-US" dirty="0"/>
+              <a:rPr lang="en-US" b="1" dirty="0">
+                <a:solidFill>
+                  <a:srgbClr val="FF0000"/>
+                </a:solidFill>
+              </a:rPr>
               <a:t>Upgrade Domains (5 default, 1-20 allowed)</a:t>
             </a:r>
           </a:p>
           <a:p>
             <a:r>
-              <a:rPr lang="en-US" dirty="0"/>
-              <a:t>Separate each app role into separate </a:t>
-            </a:r>
-            <a:r>
-              <a:rPr lang="en-US" dirty="0" err="1"/>
-              <a:t>Availiabilit</a:t>
-            </a:r>
-            <a:r>
-              <a:rPr lang="en-US" dirty="0"/>
-              <a:t> Sets (2000 per region) </a:t>
-            </a:r>
-          </a:p>
-          <a:p>
-            <a:r>
-              <a:rPr lang="en-US" dirty="0"/>
+              <a:rPr lang="en-US" b="1" dirty="0">
+                <a:solidFill>
+                  <a:srgbClr val="FF0000"/>
+                </a:solidFill>
+              </a:rPr>
+              <a:t>Separate each app role/tier into separate </a:t>
+            </a:r>
+            <a:r>
+              <a:rPr lang="en-US" b="1" dirty="0" err="1">
+                <a:solidFill>
+                  <a:srgbClr val="FF0000"/>
+                </a:solidFill>
+              </a:rPr>
+              <a:t>Availiability</a:t>
+            </a:r>
+            <a:r>
+              <a:rPr lang="en-US" b="1" dirty="0">
+                <a:solidFill>
+                  <a:srgbClr val="FF0000"/>
+                </a:solidFill>
+              </a:rPr>
+              <a:t> Sets </a:t>
+            </a:r>
+            <a:r>
+              <a:rPr lang="en-US" dirty="0"/>
+              <a:t>(2000 per region) </a:t>
+            </a:r>
+          </a:p>
+          <a:p>
+            <a:r>
+              <a:rPr lang="en-US" b="1" dirty="0">
+                <a:solidFill>
+                  <a:srgbClr val="FF0000"/>
+                </a:solidFill>
+              </a:rPr>
               <a:t>Front with Load Balancer, App Gateway</a:t>
             </a:r>
           </a:p>
           <a:p>
             <a:r>
-              <a:rPr lang="en-US" dirty="0"/>
-              <a:t>Put Each App Tier in its own Availability Set</a:t>
-            </a:r>
-          </a:p>
-          <a:p>
-            <a:r>
-              <a:rPr lang="en-US" dirty="0"/>
+              <a:rPr lang="en-US" b="1" dirty="0">
+                <a:solidFill>
+                  <a:srgbClr val="FF0000"/>
+                </a:solidFill>
+              </a:rPr>
               <a:t>Do NOT put a single VM in an Availability Set</a:t>
             </a:r>
           </a:p>
@@ -19638,7 +19624,19 @@
           <a:p>
             <a:r>
               <a:rPr lang="en-US" dirty="0"/>
-              <a:t>Resource Group – A container for Azure Resources. Resources only belong to one group. You can grant permissions to users/groups on all resources in a group.</a:t>
+              <a:t>Resource Group – A container for Azure Resources. </a:t>
+            </a:r>
+            <a:r>
+              <a:rPr lang="en-US" b="1" dirty="0">
+                <a:solidFill>
+                  <a:srgbClr val="FF0000"/>
+                </a:solidFill>
+              </a:rPr>
+              <a:t>Resources only belong to one group</a:t>
+            </a:r>
+            <a:r>
+              <a:rPr lang="en-US" dirty="0"/>
+              <a:t>. You can grant permissions to users/groups on all resources in a group.</a:t>
             </a:r>
           </a:p>
           <a:p>
@@ -19678,8 +19676,8 @@
         </p:blipFill>
         <p:spPr bwMode="auto">
           <a:xfrm>
-            <a:off x="6497053" y="3405986"/>
-            <a:ext cx="5694947" cy="3452014"/>
+            <a:off x="5940752" y="0"/>
+            <a:ext cx="6251248" cy="3789218"/>
           </a:xfrm>
           <a:prstGeom prst="rect">
             <a:avLst/>
@@ -23817,7 +23815,11 @@
           <a:p>
             <a:pPr lvl="1"/>
             <a:r>
-              <a:rPr lang="en-US" b="1" dirty="0"/>
+              <a:rPr lang="en-US" b="1" dirty="0">
+                <a:solidFill>
+                  <a:srgbClr val="FF0000"/>
+                </a:solidFill>
+              </a:rPr>
               <a:t>Template Reusability</a:t>
             </a:r>
           </a:p>
@@ -25863,7 +25865,7 @@
                         </a:spcAft>
                       </a:pPr>
                       <a:r>
-                        <a:rPr lang="en-US" sz="1000">
+                        <a:rPr lang="en-US" sz="1000" dirty="0">
                           <a:solidFill>
                             <a:srgbClr val="D5D5D5"/>
                           </a:solidFill>
@@ -26902,7 +26904,7 @@
                         </a:spcAft>
                       </a:pPr>
                       <a:r>
-                        <a:rPr lang="en-US" sz="1000">
+                        <a:rPr lang="en-US" sz="1000" dirty="0" err="1">
                           <a:solidFill>
                             <a:srgbClr val="D5D5D5"/>
                           </a:solidFill>
@@ -26911,6 +26913,13 @@
                         </a:rPr>
                         <a:t>dependsOn</a:t>
                       </a:r>
+                      <a:endParaRPr lang="en-US" sz="1000" dirty="0">
+                        <a:solidFill>
+                          <a:srgbClr val="D5D5D5"/>
+                        </a:solidFill>
+                        <a:effectLst/>
+                        <a:latin typeface="segoe-ui_normal"/>
+                      </a:endParaRPr>
                     </a:p>
                   </a:txBody>
                   <a:tcPr marL="32741" marR="32741" marT="32741" marB="32741">
@@ -27684,7 +27693,11 @@
           </a:p>
           <a:p>
             <a:r>
-              <a:rPr lang="en-US" dirty="0"/>
+              <a:rPr lang="en-US" b="1" dirty="0">
+                <a:solidFill>
+                  <a:srgbClr val="FF0000"/>
+                </a:solidFill>
+              </a:rPr>
               <a:t>Use Outputs to see other values that can’t be determined before the template is created (especially when Unique Ids are generated).</a:t>
             </a:r>
           </a:p>
@@ -27839,7 +27852,11 @@
           <a:p>
             <a:pPr lvl="1"/>
             <a:r>
-              <a:rPr lang="en-US" dirty="0"/>
+              <a:rPr lang="en-US" b="1" dirty="0">
+                <a:solidFill>
+                  <a:srgbClr val="FF0000"/>
+                </a:solidFill>
+              </a:rPr>
               <a:t>Functions and Expressions extend the JSON capabilities</a:t>
             </a:r>
           </a:p>
@@ -28019,7 +28036,7 @@
         </p:spPr>
         <p:txBody>
           <a:bodyPr>
-            <a:normAutofit fontScale="77500" lnSpcReduction="20000"/>
+            <a:normAutofit fontScale="70000" lnSpcReduction="20000"/>
           </a:bodyPr>
           <a:lstStyle/>
           <a:p>
@@ -28037,27 +28054,43 @@
           </a:p>
           <a:p>
             <a:r>
-              <a:rPr lang="en-US" dirty="0"/>
+              <a:rPr lang="en-US" b="1" dirty="0">
+                <a:solidFill>
+                  <a:srgbClr val="FF0000"/>
+                </a:solidFill>
+              </a:rPr>
               <a:t>Pass parameters into sub-templates</a:t>
             </a:r>
           </a:p>
           <a:p>
             <a:pPr lvl="1"/>
             <a:r>
-              <a:rPr lang="en-US" dirty="0"/>
+              <a:rPr lang="en-US" b="1" dirty="0">
+                <a:solidFill>
+                  <a:srgbClr val="FF0000"/>
+                </a:solidFill>
+              </a:rPr>
               <a:t>You can also pass in a parameter file link</a:t>
             </a:r>
           </a:p>
           <a:p>
             <a:r>
-              <a:rPr lang="en-US" dirty="0"/>
+              <a:rPr lang="en-US" b="1" dirty="0">
+                <a:solidFill>
+                  <a:srgbClr val="FF0000"/>
+                </a:solidFill>
+              </a:rPr>
               <a:t>Retrieve values out of templates with reference function and outputs</a:t>
             </a:r>
           </a:p>
           <a:p>
             <a:r>
-              <a:rPr lang="en-US" dirty="0"/>
-              <a:t>Sub template links must be externally available (but you can use storage account and SAS token to secure it)</a:t>
+              <a:rPr lang="en-US" b="1" dirty="0">
+                <a:solidFill>
+                  <a:srgbClr val="FF0000"/>
+                </a:solidFill>
+              </a:rPr>
+              <a:t>Sub template links must be externally available (but you can use an Azure storage account and SAS token to secure it)</a:t>
             </a:r>
           </a:p>
           <a:p>
@@ -28238,7 +28271,11 @@
           <a:lstStyle/>
           <a:p>
             <a:r>
-              <a:rPr lang="en-US" dirty="0"/>
+              <a:rPr lang="en-US" b="1" dirty="0">
+                <a:solidFill>
+                  <a:srgbClr val="FF0000"/>
+                </a:solidFill>
+              </a:rPr>
               <a:t>Resources may require a dependency chain; e.g. You need a VNET before you can deploy a VM.</a:t>
             </a:r>
           </a:p>
@@ -28417,8 +28454,8 @@
         </p:nvSpPr>
         <p:spPr>
           <a:xfrm>
-            <a:off x="838200" y="1825625"/>
-            <a:ext cx="5632269" cy="4949644"/>
+            <a:off x="838200" y="1336314"/>
+            <a:ext cx="5632269" cy="5175321"/>
           </a:xfrm>
         </p:spPr>
         <p:txBody>
@@ -28434,7 +28471,11 @@
           </a:p>
           <a:p>
             <a:r>
-              <a:rPr lang="en-US" dirty="0"/>
+              <a:rPr lang="en-US" b="1" dirty="0">
+                <a:solidFill>
+                  <a:srgbClr val="FF0000"/>
+                </a:solidFill>
+              </a:rPr>
               <a:t>Use the “copy” property to indicate the # of instances</a:t>
             </a:r>
           </a:p>
@@ -28447,15 +28488,27 @@
           </a:p>
           <a:p>
             <a:r>
-              <a:rPr lang="en-US" dirty="0"/>
+              <a:rPr lang="en-US" b="1" dirty="0">
+                <a:solidFill>
+                  <a:srgbClr val="FF0000"/>
+                </a:solidFill>
+              </a:rPr>
               <a:t>Use the “</a:t>
             </a:r>
             <a:r>
-              <a:rPr lang="en-US" dirty="0" err="1"/>
+              <a:rPr lang="en-US" b="1" dirty="0" err="1">
+                <a:solidFill>
+                  <a:srgbClr val="FF0000"/>
+                </a:solidFill>
+              </a:rPr>
               <a:t>copyIndex</a:t>
             </a:r>
             <a:r>
-              <a:rPr lang="en-US" dirty="0"/>
+              <a:rPr lang="en-US" b="1" dirty="0">
+                <a:solidFill>
+                  <a:srgbClr val="FF0000"/>
+                </a:solidFill>
+              </a:rPr>
               <a:t>()” function to get the current iteration.</a:t>
             </a:r>
           </a:p>
@@ -29050,7 +29103,14 @@
             </a:r>
           </a:p>
           <a:p>
-            <a:endParaRPr lang="en-US" dirty="0"/>
+            <a:r>
+              <a:rPr lang="en-US" b="1" dirty="0">
+                <a:solidFill>
+                  <a:srgbClr val="FF0000"/>
+                </a:solidFill>
+              </a:rPr>
+              <a:t>* Items in Bold Red are key points</a:t>
+            </a:r>
           </a:p>
         </p:txBody>
       </p:sp>
@@ -29849,35 +29909,55 @@
           </a:p>
           <a:p>
             <a:r>
-              <a:rPr lang="en-US" dirty="0"/>
+              <a:rPr lang="en-US" b="1" dirty="0">
+                <a:solidFill>
+                  <a:srgbClr val="FF0000"/>
+                </a:solidFill>
+              </a:rPr>
               <a:t>Template Deployments have 2 modes: INCREMENTAL or COMPLETE</a:t>
             </a:r>
           </a:p>
           <a:p>
             <a:pPr lvl="1"/>
             <a:r>
-              <a:rPr lang="en-US" dirty="0"/>
+              <a:rPr lang="en-US" b="1" dirty="0">
+                <a:solidFill>
+                  <a:srgbClr val="FF0000"/>
+                </a:solidFill>
+              </a:rPr>
               <a:t>Both modes deploy resources defined in Template.</a:t>
             </a:r>
           </a:p>
           <a:p>
             <a:pPr lvl="1"/>
             <a:r>
-              <a:rPr lang="en-US" dirty="0"/>
+              <a:rPr lang="en-US" b="1" dirty="0">
+                <a:solidFill>
+                  <a:srgbClr val="FF0000"/>
+                </a:solidFill>
+              </a:rPr>
               <a:t>Complete Deployment DELETES resources in group not defined in Template</a:t>
             </a:r>
           </a:p>
           <a:p>
             <a:pPr lvl="1"/>
             <a:r>
-              <a:rPr lang="en-US" dirty="0"/>
+              <a:rPr lang="en-US" b="1" dirty="0">
+                <a:solidFill>
+                  <a:srgbClr val="FF0000"/>
+                </a:solidFill>
+              </a:rPr>
               <a:t>Incremental does not DELETE resources not defined in Template</a:t>
             </a:r>
           </a:p>
           <a:p>
             <a:pPr lvl="1"/>
             <a:r>
-              <a:rPr lang="en-US" dirty="0"/>
+              <a:rPr lang="en-US" b="1" dirty="0">
+                <a:solidFill>
+                  <a:srgbClr val="FF0000"/>
+                </a:solidFill>
+              </a:rPr>
               <a:t>Use “-Mode” argument to set Mode.</a:t>
             </a:r>
           </a:p>
@@ -30189,7 +30269,7 @@
         <p:spPr/>
         <p:txBody>
           <a:bodyPr>
-            <a:normAutofit fontScale="77500" lnSpcReduction="20000"/>
+            <a:normAutofit fontScale="92500" lnSpcReduction="20000"/>
           </a:bodyPr>
           <a:lstStyle/>
           <a:p>
@@ -30324,12 +30404,19 @@
             <a:spLocks noGrp="1"/>
           </p:cNvSpPr>
           <p:nvPr>
-            <p:ph type="body" sz="quarter" idx="10"/>
+            <p:ph type="body" sz="quarter" idx="4294967295"/>
           </p:nvPr>
         </p:nvSpPr>
-        <p:spPr/>
+        <p:spPr>
+          <a:xfrm>
+            <a:off x="0" y="6207125"/>
+            <a:ext cx="11768138" cy="603250"/>
+          </a:xfrm>
+        </p:spPr>
         <p:txBody>
-          <a:bodyPr/>
+          <a:bodyPr>
+            <a:normAutofit fontScale="77500" lnSpcReduction="20000"/>
+          </a:bodyPr>
           <a:lstStyle/>
           <a:p>
             <a:r>
@@ -30361,7 +30448,7 @@
         </p:blipFill>
         <p:spPr>
           <a:xfrm>
-            <a:off x="4755548" y="1035660"/>
+            <a:off x="4866385" y="1333533"/>
             <a:ext cx="7223727" cy="1790936"/>
           </a:xfrm>
           <a:prstGeom prst="rect">
@@ -30369,6 +30456,121 @@
           </a:prstGeom>
         </p:spPr>
       </p:pic>
+      <p:grpSp>
+        <p:nvGrpSpPr>
+          <p:cNvPr id="8" name="Group 7">
+            <a:extLst>
+              <a:ext uri="{FF2B5EF4-FFF2-40B4-BE49-F238E27FC236}">
+                <a16:creationId xmlns:a16="http://schemas.microsoft.com/office/drawing/2014/main" id="{8125DE21-D8DC-4941-96D5-28AF1B974B8C}"/>
+              </a:ext>
+            </a:extLst>
+          </p:cNvPr>
+          <p:cNvGrpSpPr/>
+          <p:nvPr/>
+        </p:nvGrpSpPr>
+        <p:grpSpPr>
+          <a:xfrm>
+            <a:off x="101888" y="1932250"/>
+            <a:ext cx="4066309" cy="1477328"/>
+            <a:chOff x="101888" y="1932250"/>
+            <a:chExt cx="4066309" cy="1477328"/>
+          </a:xfrm>
+        </p:grpSpPr>
+        <p:sp>
+          <p:nvSpPr>
+            <p:cNvPr id="5" name="TextBox 4">
+              <a:extLst>
+                <a:ext uri="{FF2B5EF4-FFF2-40B4-BE49-F238E27FC236}">
+                  <a16:creationId xmlns:a16="http://schemas.microsoft.com/office/drawing/2014/main" id="{E4A0ACBE-592F-43A3-BFAF-C42F9F180A3E}"/>
+                </a:ext>
+              </a:extLst>
+            </p:cNvPr>
+            <p:cNvSpPr txBox="1"/>
+            <p:nvPr/>
+          </p:nvSpPr>
+          <p:spPr>
+            <a:xfrm>
+              <a:off x="101888" y="1932250"/>
+              <a:ext cx="4066309" cy="1477328"/>
+            </a:xfrm>
+            <a:prstGeom prst="rect">
+              <a:avLst/>
+            </a:prstGeom>
+            <a:noFill/>
+          </p:spPr>
+          <p:txBody>
+            <a:bodyPr wrap="square" rtlCol="0">
+              <a:spAutoFit/>
+            </a:bodyPr>
+            <a:lstStyle/>
+            <a:p>
+              <a:endParaRPr lang="en-US" dirty="0"/>
+            </a:p>
+            <a:p>
+              <a:r>
+                <a:rPr lang="en-US" b="1" i="1" dirty="0">
+                  <a:solidFill>
+                    <a:schemeClr val="accent4">
+                      <a:lumMod val="75000"/>
+                    </a:schemeClr>
+                  </a:solidFill>
+                </a:rPr>
+                <a:t>(You can now get the CLI directly in the Azure Portal! This is makes it super easy to use. Go to the portal and click this button in the top right </a:t>
+              </a:r>
+              <a:r>
+                <a:rPr lang="en-US" b="1" i="1" dirty="0" err="1">
+                  <a:solidFill>
+                    <a:schemeClr val="accent4">
+                      <a:lumMod val="75000"/>
+                    </a:schemeClr>
+                  </a:solidFill>
+                </a:rPr>
+                <a:t>nav</a:t>
+              </a:r>
+              <a:r>
+                <a:rPr lang="en-US" b="1" i="1" dirty="0">
+                  <a:solidFill>
+                    <a:schemeClr val="accent4">
+                      <a:lumMod val="75000"/>
+                    </a:schemeClr>
+                  </a:solidFill>
+                </a:rPr>
+                <a:t> bar:       )</a:t>
+              </a:r>
+            </a:p>
+          </p:txBody>
+        </p:sp>
+        <p:pic>
+          <p:nvPicPr>
+            <p:cNvPr id="7" name="Picture 6">
+              <a:extLst>
+                <a:ext uri="{FF2B5EF4-FFF2-40B4-BE49-F238E27FC236}">
+                  <a16:creationId xmlns:a16="http://schemas.microsoft.com/office/drawing/2014/main" id="{BF3CF0D9-3920-463E-9CF9-C9D6A9B06185}"/>
+                </a:ext>
+              </a:extLst>
+            </p:cNvPr>
+            <p:cNvPicPr>
+              <a:picLocks noChangeAspect="1"/>
+            </p:cNvPicPr>
+            <p:nvPr/>
+          </p:nvPicPr>
+          <p:blipFill>
+            <a:blip r:embed="rId4"/>
+            <a:stretch>
+              <a:fillRect/>
+            </a:stretch>
+          </p:blipFill>
+          <p:spPr>
+            <a:xfrm>
+              <a:off x="3116406" y="3062844"/>
+              <a:ext cx="340302" cy="291687"/>
+            </a:xfrm>
+            <a:prstGeom prst="rect">
+              <a:avLst/>
+            </a:prstGeom>
+          </p:spPr>
+        </p:pic>
+      </p:grpSp>
     </p:spTree>
     <p:extLst>
       <p:ext uri="{BB962C8B-B14F-4D97-AF65-F5344CB8AC3E}">
@@ -30379,6 +30581,89 @@
   <p:clrMapOvr>
     <a:masterClrMapping/>
   </p:clrMapOvr>
+  <p:timing>
+    <p:tnLst>
+      <p:par>
+        <p:cTn id="1" dur="indefinite" restart="never" nodeType="tmRoot">
+          <p:childTnLst>
+            <p:seq concurrent="1" nextAc="seek">
+              <p:cTn id="2" dur="indefinite" nodeType="mainSeq">
+                <p:childTnLst>
+                  <p:par>
+                    <p:cTn id="3" fill="hold">
+                      <p:stCondLst>
+                        <p:cond delay="indefinite"/>
+                      </p:stCondLst>
+                      <p:childTnLst>
+                        <p:par>
+                          <p:cTn id="4" fill="hold">
+                            <p:stCondLst>
+                              <p:cond delay="0"/>
+                            </p:stCondLst>
+                            <p:childTnLst>
+                              <p:par>
+                                <p:cTn id="5" presetID="10" presetClass="entr" presetSubtype="0" fill="hold" nodeType="clickEffect">
+                                  <p:stCondLst>
+                                    <p:cond delay="0"/>
+                                  </p:stCondLst>
+                                  <p:childTnLst>
+                                    <p:set>
+                                      <p:cBhvr>
+                                        <p:cTn id="6" dur="1" fill="hold">
+                                          <p:stCondLst>
+                                            <p:cond delay="0"/>
+                                          </p:stCondLst>
+                                        </p:cTn>
+                                        <p:tgtEl>
+                                          <p:spTgt spid="8"/>
+                                        </p:tgtEl>
+                                        <p:attrNameLst>
+                                          <p:attrName>style.visibility</p:attrName>
+                                        </p:attrNameLst>
+                                      </p:cBhvr>
+                                      <p:to>
+                                        <p:strVal val="visible"/>
+                                      </p:to>
+                                    </p:set>
+                                    <p:animEffect transition="in" filter="fade">
+                                      <p:cBhvr>
+                                        <p:cTn id="7" dur="500"/>
+                                        <p:tgtEl>
+                                          <p:spTgt spid="8"/>
+                                        </p:tgtEl>
+                                      </p:cBhvr>
+                                    </p:animEffect>
+                                  </p:childTnLst>
+                                </p:cTn>
+                              </p:par>
+                            </p:childTnLst>
+                          </p:cTn>
+                        </p:par>
+                      </p:childTnLst>
+                    </p:cTn>
+                  </p:par>
+                </p:childTnLst>
+              </p:cTn>
+              <p:prevCondLst>
+                <p:cond evt="onPrev" delay="0">
+                  <p:tgtEl>
+                    <p:sldTgt/>
+                  </p:tgtEl>
+                </p:cond>
+              </p:prevCondLst>
+              <p:nextCondLst>
+                <p:cond evt="onNext" delay="0">
+                  <p:tgtEl>
+                    <p:sldTgt/>
+                  </p:tgtEl>
+                </p:cond>
+              </p:nextCondLst>
+            </p:seq>
+          </p:childTnLst>
+        </p:cTn>
+      </p:par>
+    </p:tnLst>
+  </p:timing>
 </p:sld>
 </file>
 
@@ -30505,21 +30790,13 @@
         <p:spPr/>
         <p:txBody>
           <a:bodyPr>
-            <a:normAutofit fontScale="85000" lnSpcReduction="10000"/>
+            <a:normAutofit fontScale="85000" lnSpcReduction="20000"/>
           </a:bodyPr>
           <a:lstStyle/>
           <a:p>
             <a:r>
               <a:rPr lang="en-US" dirty="0"/>
-              <a:t>An Azure Region is a geographic region that </a:t>
-            </a:r>
-            <a:r>
-              <a:rPr lang="en-US" dirty="0" err="1"/>
-              <a:t>contians</a:t>
-            </a:r>
-            <a:r>
-              <a:rPr lang="en-US" dirty="0"/>
-              <a:t> a collection of data centers. </a:t>
+              <a:t>An Azure Region is a geographic region that contains a collection of data centers. </a:t>
             </a:r>
           </a:p>
           <a:p>
@@ -30589,22 +30866,45 @@
           </a:p>
           <a:p>
             <a:r>
-              <a:rPr lang="en-US" dirty="0"/>
+              <a:rPr lang="en-US" b="1" dirty="0">
+                <a:solidFill>
+                  <a:srgbClr val="FF0000"/>
+                </a:solidFill>
+              </a:rPr>
               <a:t>Region Pairs</a:t>
             </a:r>
           </a:p>
           <a:p>
             <a:pPr lvl="1"/>
             <a:r>
-              <a:rPr lang="en-US" dirty="0"/>
+              <a:rPr lang="en-US" b="1" dirty="0">
+                <a:solidFill>
+                  <a:srgbClr val="FF0000"/>
+                </a:solidFill>
+              </a:rPr>
               <a:t>In same geography (such as US, Europe or Asia)</a:t>
             </a:r>
           </a:p>
           <a:p>
             <a:pPr lvl="1"/>
             <a:r>
-              <a:rPr lang="en-US" dirty="0"/>
+              <a:rPr lang="en-US" b="1" dirty="0">
+                <a:solidFill>
+                  <a:srgbClr val="FF0000"/>
+                </a:solidFill>
+              </a:rPr>
               <a:t>Replicated resources are replicated across pairs</a:t>
+            </a:r>
+          </a:p>
+          <a:p>
+            <a:pPr lvl="1"/>
+            <a:r>
+              <a:rPr lang="en-US" b="1" dirty="0">
+                <a:solidFill>
+                  <a:srgbClr val="FF0000"/>
+                </a:solidFill>
+              </a:rPr>
+              <a:t>In broad geographic outage, one region in the pair is prioritized</a:t>
             </a:r>
           </a:p>
           <a:p>
@@ -31009,11 +31309,19 @@
           <a:p>
             <a:pPr lvl="1"/>
             <a:r>
-              <a:rPr lang="en-US" dirty="0"/>
+              <a:rPr lang="en-US" b="1" dirty="0">
+                <a:solidFill>
+                  <a:srgbClr val="FF0000"/>
+                </a:solidFill>
+              </a:rPr>
               <a:t>Active/passive with hot standby </a:t>
             </a:r>
             <a:r>
-              <a:rPr lang="en-US" b="1" i="1" dirty="0"/>
+              <a:rPr lang="en-US" b="1" i="1" dirty="0">
+                <a:solidFill>
+                  <a:srgbClr val="FF0000"/>
+                </a:solidFill>
+              </a:rPr>
               <a:t>(rec)</a:t>
             </a:r>
           </a:p>
@@ -31204,7 +31512,11 @@
           <a:lstStyle/>
           <a:p>
             <a:r>
-              <a:rPr lang="en-US" dirty="0"/>
+              <a:rPr lang="en-US" b="1" dirty="0">
+                <a:solidFill>
+                  <a:srgbClr val="FF0000"/>
+                </a:solidFill>
+              </a:rPr>
               <a:t>Availability within a region vs. Regional Availability</a:t>
             </a:r>
           </a:p>
@@ -31483,21 +31795,33 @@
           <a:p>
             <a:pPr lvl="1"/>
             <a:r>
-              <a:rPr lang="en-US" dirty="0"/>
+              <a:rPr lang="en-US" b="1" dirty="0">
+                <a:solidFill>
+                  <a:srgbClr val="FF0000"/>
+                </a:solidFill>
+              </a:rPr>
               <a:t>Azure Container Service</a:t>
             </a:r>
           </a:p>
           <a:p>
             <a:pPr lvl="2"/>
             <a:r>
-              <a:rPr lang="en-US" dirty="0"/>
+              <a:rPr lang="en-US" b="1" dirty="0">
+                <a:solidFill>
+                  <a:srgbClr val="FF0000"/>
+                </a:solidFill>
+              </a:rPr>
               <a:t>Create with Azure Portal or CLI</a:t>
             </a:r>
           </a:p>
           <a:p>
             <a:pPr lvl="2"/>
             <a:r>
-              <a:rPr lang="en-US" dirty="0"/>
+              <a:rPr lang="en-US" b="1" dirty="0">
+                <a:solidFill>
+                  <a:srgbClr val="FF0000"/>
+                </a:solidFill>
+              </a:rPr>
               <a:t>Supports Popular Orchestration engines: DC/OS, Docker Swarm, Kubernetes</a:t>
             </a:r>
           </a:p>
@@ -32851,7 +33175,6 @@
               <a:rPr lang="en-US" dirty="0"/>
               <a:t> </a:t>
             </a:r>
-            <a:endParaRPr lang="en-US" dirty="0"/>
           </a:p>
         </p:txBody>
       </p:sp>
@@ -32887,7 +33210,6 @@
               <a:rPr lang="en-US" sz="1400" dirty="0"/>
               <a:t> </a:t>
             </a:r>
-            <a:endParaRPr lang="en-US" sz="1400" dirty="0"/>
           </a:p>
         </p:txBody>
       </p:sp>
@@ -33610,21 +33932,33 @@
           <a:p>
             <a:pPr lvl="1"/>
             <a:r>
-              <a:rPr lang="en-US" b="1" dirty="0"/>
+              <a:rPr lang="en-US" b="1" dirty="0">
+                <a:solidFill>
+                  <a:srgbClr val="FF0000"/>
+                </a:solidFill>
+              </a:rPr>
               <a:t>Cores (CPUs)</a:t>
             </a:r>
           </a:p>
           <a:p>
             <a:pPr lvl="1"/>
             <a:r>
-              <a:rPr lang="en-US" b="1" dirty="0"/>
+              <a:rPr lang="en-US" b="1" dirty="0">
+                <a:solidFill>
+                  <a:srgbClr val="FF0000"/>
+                </a:solidFill>
+              </a:rPr>
               <a:t>RAM</a:t>
             </a:r>
           </a:p>
           <a:p>
             <a:pPr lvl="1"/>
             <a:r>
-              <a:rPr lang="en-US" b="1" dirty="0"/>
+              <a:rPr lang="en-US" b="1" dirty="0">
+                <a:solidFill>
+                  <a:srgbClr val="FF0000"/>
+                </a:solidFill>
+              </a:rPr>
               <a:t>Temp Disk</a:t>
             </a:r>
           </a:p>
@@ -33644,7 +33978,11 @@
           </a:p>
           <a:p>
             <a:r>
-              <a:rPr lang="en-US" dirty="0"/>
+              <a:rPr lang="en-US" b="1" dirty="0">
+                <a:solidFill>
+                  <a:srgbClr val="FF0000"/>
+                </a:solidFill>
+              </a:rPr>
               <a:t>Pricing is charged by the hour.</a:t>
             </a:r>
           </a:p>
@@ -33699,7 +34037,11 @@
           <a:p>
             <a:pPr lvl="2"/>
             <a:r>
-              <a:rPr lang="en-US" dirty="0"/>
+              <a:rPr lang="en-US" b="1" dirty="0">
+                <a:solidFill>
+                  <a:srgbClr val="FF0000"/>
+                </a:solidFill>
+              </a:rPr>
               <a:t>20 cores per region. 10,000 Max.</a:t>
             </a:r>
           </a:p>
@@ -36040,7 +36382,11 @@
           <a:p>
             <a:pPr lvl="1"/>
             <a:r>
-              <a:rPr lang="en-US" dirty="0"/>
+              <a:rPr lang="en-US" b="1" dirty="0">
+                <a:solidFill>
+                  <a:srgbClr val="FF0000"/>
+                </a:solidFill>
+              </a:rPr>
               <a:t>Windows 2008R2+</a:t>
             </a:r>
           </a:p>
@@ -39172,13 +39518,13 @@
           <p:nvPr>
             <p:extLst>
               <p:ext uri="{D42A27DB-BD31-4B8C-83A1-F6EECF244321}">
-                <p14:modId xmlns:p14="http://schemas.microsoft.com/office/powerpoint/2010/main" val="28954499"/>
+                <p14:modId xmlns:p14="http://schemas.microsoft.com/office/powerpoint/2010/main" val="1411232540"/>
               </p:ext>
             </p:extLst>
           </p:nvPr>
         </p:nvGraphicFramePr>
         <p:xfrm>
-          <a:off x="950793" y="3253740"/>
+          <a:off x="1193247" y="2886595"/>
           <a:ext cx="6998817" cy="3058160"/>
         </p:xfrm>
         <a:graphic>
